--- a/Micro PET (13 to 24)/Micropython for microbit_L20_updated/L20.pptx
+++ b/Micro PET (13 to 24)/Micropython for microbit_L20_updated/L20.pptx
@@ -167,14 +167,6 @@
 </p:presentation>
 </file>
 
-<file path=ppt/revisionInfo.xml><?xml version="1.0" encoding="utf-8"?>
-<p1510:revInfo xmlns:a="http://schemas.openxmlformats.org/drawingml/2006/main" xmlns:r="http://schemas.openxmlformats.org/officeDocument/2006/relationships" xmlns:p1510="http://schemas.microsoft.com/office/powerpoint/2015/10/main">
-  <p1510:revLst>
-    <p1510:client id="{8DE4EA94-A1E7-4318-B06B-5F2993CF36E0}" v="17" dt="2019-07-06T12:24:06.704"/>
-  </p1510:revLst>
-</p1510:revInfo>
-</file>
-
 <file path=ppt/handoutMasters/handoutMaster1.xml><?xml version="1.0" encoding="utf-8"?>
 <p:handoutMaster xmlns:a="http://schemas.openxmlformats.org/drawingml/2006/main" xmlns:r="http://schemas.openxmlformats.org/officeDocument/2006/relationships" xmlns:p="http://schemas.openxmlformats.org/presentationml/2006/main">
   <p:cSld>
@@ -296,7 +288,7 @@
               <a:pPr>
                 <a:defRPr/>
               </a:pPr>
-              <a:t>12/11/2020</a:t>
+              <a:t>11/15/2022</a:t>
             </a:fld>
             <a:endParaRPr lang="en-US" altLang="en-US" dirty="0"/>
           </a:p>
@@ -536,7 +528,7 @@
               <a:pPr>
                 <a:defRPr/>
               </a:pPr>
-              <a:t>12/11/2020</a:t>
+              <a:t>11/15/2022</a:t>
             </a:fld>
             <a:endParaRPr lang="en-US" altLang="en-US" dirty="0"/>
           </a:p>
@@ -15031,7 +15023,7 @@
           <a:p>
             <a:r>
               <a:rPr lang="en-GB" dirty="0"/>
-              <a:t>Lesson 30</a:t>
+              <a:t>Lesson 20</a:t>
             </a:r>
           </a:p>
         </p:txBody>
@@ -16781,52 +16773,52 @@
 </file>
 
 <file path=customXml/item1.xml><?xml version="1.0" encoding="utf-8"?>
-<p:properties xmlns:p="http://schemas.microsoft.com/office/2006/metadata/properties" xmlns:xsi="http://www.w3.org/2001/XMLSchema-instance" xmlns:pc="http://schemas.microsoft.com/office/infopath/2007/PartnerControls">
-  <documentManagement>
-    <Current_x0020_Version xmlns="f2ad5090-61a8-4b8c-ab70-68f4ff4d1933">9.0</Current_x0020_Version>
-    <Document_x0020_Author xmlns="f2ad5090-61a8-4b8c-ab70-68f4ff4d1933">
-      <UserInfo>
-        <DisplayName/>
-        <AccountId xsi:nil="true"/>
-        <AccountType/>
-      </UserInfo>
-    </Document_x0020_Author>
-    <_dlc_DocId xmlns="f2ad5090-61a8-4b8c-ab70-68f4ff4d1933">ARM-ECM-0633231</_dlc_DocId>
-    <Document_x0020_Confidentiality xmlns="f2ad5090-61a8-4b8c-ab70-68f4ff4d1933">Confidential-Restricted</Document_x0020_Confidentiality>
-    <_dlc_DocIdUrl xmlns="f2ad5090-61a8-4b8c-ab70-68f4ff4d1933">
-      <Url>http://teamsites.arm.com/sites/cthub/_layouts/DocIdRedir.aspx?ID=ARM-ECM-0633231</Url>
-      <Description>ARM-ECM-0633231</Description>
-    </_dlc_DocIdUrl>
-    <Category xmlns="c0950e01-db07-4e41-9c32-b7a8e9fccc9b">Private Presentation Templates</Category>
-    <ARM_x0020_Legacy_x0020_ID xmlns="f2ad5090-61a8-4b8c-ab70-68f4ff4d1933" xsi:nil="true"/>
-    <TaxCatchAll xmlns="f2ad5090-61a8-4b8c-ab70-68f4ff4d1933">
-      <Value>7</Value>
-      <Value>1</Value>
-    </TaxCatchAll>
-    <j60c3ced31bb40378c6254d49035d966 xmlns="f2ad5090-61a8-4b8c-ab70-68f4ff4d1933">
-      <Terms xmlns="http://schemas.microsoft.com/office/infopath/2007/PartnerControls">
-        <TermInfo xmlns="http://schemas.microsoft.com/office/infopath/2007/PartnerControls">
-          <TermName xmlns="http://schemas.microsoft.com/office/infopath/2007/PartnerControls">2017</TermName>
-          <TermId xmlns="http://schemas.microsoft.com/office/infopath/2007/PartnerControls">58467e81-5d99-44a5-abb5-12a016b65e9e</TermId>
-        </TermInfo>
-      </Terms>
-    </j60c3ced31bb40378c6254d49035d966>
-    <RoutingRuleDescription xmlns="http://schemas.microsoft.com/sharepoint/v3" xsi:nil="true"/>
-    <_Status xmlns="http://schemas.microsoft.com/sharepoint/v3/fields">Not Started</_Status>
-  </documentManagement>
-</p:properties>
+<?mso-contentType ?>
+<spe:Receivers xmlns:spe="http://schemas.microsoft.com/sharepoint/events">
+  <Receiver>
+    <Name>Document ID Generator</Name>
+    <Synchronization>Synchronous</Synchronization>
+    <Type>10001</Type>
+    <SequenceNumber>1000</SequenceNumber>
+    <Assembly>Microsoft.Office.DocumentManagement, Version=14.0.0.0, Culture=neutral, PublicKeyToken=71e9bce111e9429c</Assembly>
+    <Class>Microsoft.Office.DocumentManagement.Internal.DocIdHandler</Class>
+    <Data/>
+    <Filter/>
+  </Receiver>
+  <Receiver>
+    <Name>Document ID Generator</Name>
+    <Synchronization>Synchronous</Synchronization>
+    <Type>10002</Type>
+    <SequenceNumber>1001</SequenceNumber>
+    <Assembly>Microsoft.Office.DocumentManagement, Version=14.0.0.0, Culture=neutral, PublicKeyToken=71e9bce111e9429c</Assembly>
+    <Class>Microsoft.Office.DocumentManagement.Internal.DocIdHandler</Class>
+    <Data/>
+    <Filter/>
+  </Receiver>
+  <Receiver>
+    <Name>Document ID Generator</Name>
+    <Synchronization>Synchronous</Synchronization>
+    <Type>10004</Type>
+    <SequenceNumber>1002</SequenceNumber>
+    <Assembly>Microsoft.Office.DocumentManagement, Version=14.0.0.0, Culture=neutral, PublicKeyToken=71e9bce111e9429c</Assembly>
+    <Class>Microsoft.Office.DocumentManagement.Internal.DocIdHandler</Class>
+    <Data/>
+    <Filter/>
+  </Receiver>
+  <Receiver>
+    <Name>Document ID Generator</Name>
+    <Synchronization>Synchronous</Synchronization>
+    <Type>10006</Type>
+    <SequenceNumber>1003</SequenceNumber>
+    <Assembly>Microsoft.Office.DocumentManagement, Version=14.0.0.0, Culture=neutral, PublicKeyToken=71e9bce111e9429c</Assembly>
+    <Class>Microsoft.Office.DocumentManagement.Internal.DocIdHandler</Class>
+    <Data/>
+    <Filter/>
+  </Receiver>
+</spe:Receivers>
 </file>
 
 <file path=customXml/item2.xml><?xml version="1.0" encoding="utf-8"?>
-<?mso-contentType ?>
-<FormTemplates xmlns="http://schemas.microsoft.com/sharepoint/v3/contenttype/forms">
-  <Display>DocumentLibraryForm</Display>
-  <Edit>DocumentLibraryForm</Edit>
-  <New>DocumentLibraryForm</New>
-</FormTemplates>
-</file>
-
-<file path=customXml/item3.xml><?xml version="1.0" encoding="utf-8"?>
 <ct:contentTypeSchema xmlns:ct="http://schemas.microsoft.com/office/2006/metadata/contentType" xmlns:ma="http://schemas.microsoft.com/office/2006/metadata/properties/metaAttributes" ct:_="" ma:_="" ma:contentTypeName="ARM Document" ma:contentTypeID="0x0101005C6975769EB1684CAB07571CAE07A11B0100BC81FA0C64ACC243A77959D9266C7751" ma:contentTypeVersion="27" ma:contentTypeDescription="" ma:contentTypeScope="" ma:versionID="c3d44a507a30e34bb56df6cb41b0e970">
   <xsd:schema xmlns:xsd="http://www.w3.org/2001/XMLSchema" xmlns:xs="http://www.w3.org/2001/XMLSchema" xmlns:p="http://schemas.microsoft.com/office/2006/metadata/properties" xmlns:ns1="http://schemas.microsoft.com/sharepoint/v3" xmlns:ns2="f2ad5090-61a8-4b8c-ab70-68f4ff4d1933" xmlns:ns3="http://schemas.microsoft.com/sharepoint/v3/fields" xmlns:ns4="c0950e01-db07-4e41-9c32-b7a8e9fccc9b" targetNamespace="http://schemas.microsoft.com/office/2006/metadata/properties" ma:root="true" ma:fieldsID="d6365f768a9cf65e3d0aaa644537f94f" ns1:_="" ns2:_="" ns3:_="" ns4:_="">
     <xsd:import namespace="http://schemas.microsoft.com/sharepoint/v3"/>
@@ -17110,50 +17102,50 @@
 </ct:contentTypeSchema>
 </file>
 
+<file path=customXml/item3.xml><?xml version="1.0" encoding="utf-8"?>
+<?mso-contentType ?>
+<FormTemplates xmlns="http://schemas.microsoft.com/sharepoint/v3/contenttype/forms">
+  <Display>DocumentLibraryForm</Display>
+  <Edit>DocumentLibraryForm</Edit>
+  <New>DocumentLibraryForm</New>
+</FormTemplates>
+</file>
+
 <file path=customXml/item4.xml><?xml version="1.0" encoding="utf-8"?>
-<?mso-contentType ?>
-<spe:Receivers xmlns:spe="http://schemas.microsoft.com/sharepoint/events">
-  <Receiver>
-    <Name>Document ID Generator</Name>
-    <Synchronization>Synchronous</Synchronization>
-    <Type>10001</Type>
-    <SequenceNumber>1000</SequenceNumber>
-    <Assembly>Microsoft.Office.DocumentManagement, Version=14.0.0.0, Culture=neutral, PublicKeyToken=71e9bce111e9429c</Assembly>
-    <Class>Microsoft.Office.DocumentManagement.Internal.DocIdHandler</Class>
-    <Data/>
-    <Filter/>
-  </Receiver>
-  <Receiver>
-    <Name>Document ID Generator</Name>
-    <Synchronization>Synchronous</Synchronization>
-    <Type>10002</Type>
-    <SequenceNumber>1001</SequenceNumber>
-    <Assembly>Microsoft.Office.DocumentManagement, Version=14.0.0.0, Culture=neutral, PublicKeyToken=71e9bce111e9429c</Assembly>
-    <Class>Microsoft.Office.DocumentManagement.Internal.DocIdHandler</Class>
-    <Data/>
-    <Filter/>
-  </Receiver>
-  <Receiver>
-    <Name>Document ID Generator</Name>
-    <Synchronization>Synchronous</Synchronization>
-    <Type>10004</Type>
-    <SequenceNumber>1002</SequenceNumber>
-    <Assembly>Microsoft.Office.DocumentManagement, Version=14.0.0.0, Culture=neutral, PublicKeyToken=71e9bce111e9429c</Assembly>
-    <Class>Microsoft.Office.DocumentManagement.Internal.DocIdHandler</Class>
-    <Data/>
-    <Filter/>
-  </Receiver>
-  <Receiver>
-    <Name>Document ID Generator</Name>
-    <Synchronization>Synchronous</Synchronization>
-    <Type>10006</Type>
-    <SequenceNumber>1003</SequenceNumber>
-    <Assembly>Microsoft.Office.DocumentManagement, Version=14.0.0.0, Culture=neutral, PublicKeyToken=71e9bce111e9429c</Assembly>
-    <Class>Microsoft.Office.DocumentManagement.Internal.DocIdHandler</Class>
-    <Data/>
-    <Filter/>
-  </Receiver>
-</spe:Receivers>
+<p:properties xmlns:p="http://schemas.microsoft.com/office/2006/metadata/properties" xmlns:xsi="http://www.w3.org/2001/XMLSchema-instance" xmlns:pc="http://schemas.microsoft.com/office/infopath/2007/PartnerControls">
+  <documentManagement>
+    <Current_x0020_Version xmlns="f2ad5090-61a8-4b8c-ab70-68f4ff4d1933">9.0</Current_x0020_Version>
+    <Document_x0020_Author xmlns="f2ad5090-61a8-4b8c-ab70-68f4ff4d1933">
+      <UserInfo>
+        <DisplayName/>
+        <AccountId xsi:nil="true"/>
+        <AccountType/>
+      </UserInfo>
+    </Document_x0020_Author>
+    <_dlc_DocId xmlns="f2ad5090-61a8-4b8c-ab70-68f4ff4d1933">ARM-ECM-0633231</_dlc_DocId>
+    <Document_x0020_Confidentiality xmlns="f2ad5090-61a8-4b8c-ab70-68f4ff4d1933">Confidential-Restricted</Document_x0020_Confidentiality>
+    <_dlc_DocIdUrl xmlns="f2ad5090-61a8-4b8c-ab70-68f4ff4d1933">
+      <Url>http://teamsites.arm.com/sites/cthub/_layouts/DocIdRedir.aspx?ID=ARM-ECM-0633231</Url>
+      <Description>ARM-ECM-0633231</Description>
+    </_dlc_DocIdUrl>
+    <Category xmlns="c0950e01-db07-4e41-9c32-b7a8e9fccc9b">Private Presentation Templates</Category>
+    <ARM_x0020_Legacy_x0020_ID xmlns="f2ad5090-61a8-4b8c-ab70-68f4ff4d1933" xsi:nil="true"/>
+    <TaxCatchAll xmlns="f2ad5090-61a8-4b8c-ab70-68f4ff4d1933">
+      <Value>7</Value>
+      <Value>1</Value>
+    </TaxCatchAll>
+    <j60c3ced31bb40378c6254d49035d966 xmlns="f2ad5090-61a8-4b8c-ab70-68f4ff4d1933">
+      <Terms xmlns="http://schemas.microsoft.com/office/infopath/2007/PartnerControls">
+        <TermInfo xmlns="http://schemas.microsoft.com/office/infopath/2007/PartnerControls">
+          <TermName xmlns="http://schemas.microsoft.com/office/infopath/2007/PartnerControls">2017</TermName>
+          <TermId xmlns="http://schemas.microsoft.com/office/infopath/2007/PartnerControls">58467e81-5d99-44a5-abb5-12a016b65e9e</TermId>
+        </TermInfo>
+      </Terms>
+    </j60c3ced31bb40378c6254d49035d966>
+    <RoutingRuleDescription xmlns="http://schemas.microsoft.com/sharepoint/v3" xsi:nil="true"/>
+    <_Status xmlns="http://schemas.microsoft.com/sharepoint/v3/fields">Not Started</_Status>
+  </documentManagement>
+</p:properties>
 </file>
 
 <file path=customXml/item5.xml><?xml version="1.0" encoding="utf-8"?>
@@ -17167,27 +17159,14 @@
 </file>
 
 <file path=customXml/itemProps1.xml><?xml version="1.0" encoding="utf-8"?>
-<ds:datastoreItem xmlns:ds="http://schemas.openxmlformats.org/officeDocument/2006/customXml" ds:itemID="{B61D4E06-5D3F-4994-A4A7-4BA626FA722D}">
+<ds:datastoreItem xmlns:ds="http://schemas.openxmlformats.org/officeDocument/2006/customXml" ds:itemID="{1E7F2E56-8924-419D-99E9-79DB71144EB2}">
   <ds:schemaRefs>
-    <ds:schemaRef ds:uri="http://schemas.microsoft.com/office/2006/metadata/properties"/>
-    <ds:schemaRef ds:uri="http://schemas.microsoft.com/office/infopath/2007/PartnerControls"/>
-    <ds:schemaRef ds:uri="f2ad5090-61a8-4b8c-ab70-68f4ff4d1933"/>
-    <ds:schemaRef ds:uri="c0950e01-db07-4e41-9c32-b7a8e9fccc9b"/>
-    <ds:schemaRef ds:uri="http://schemas.microsoft.com/sharepoint/v3"/>
-    <ds:schemaRef ds:uri="http://schemas.microsoft.com/sharepoint/v3/fields"/>
+    <ds:schemaRef ds:uri="http://schemas.microsoft.com/sharepoint/events"/>
   </ds:schemaRefs>
 </ds:datastoreItem>
 </file>
 
 <file path=customXml/itemProps2.xml><?xml version="1.0" encoding="utf-8"?>
-<ds:datastoreItem xmlns:ds="http://schemas.openxmlformats.org/officeDocument/2006/customXml" ds:itemID="{82EFBBFE-5AFC-4CAD-AD38-1CB870BDB255}">
-  <ds:schemaRefs>
-    <ds:schemaRef ds:uri="http://schemas.microsoft.com/sharepoint/v3/contenttype/forms"/>
-  </ds:schemaRefs>
-</ds:datastoreItem>
-</file>
-
-<file path=customXml/itemProps3.xml><?xml version="1.0" encoding="utf-8"?>
 <ds:datastoreItem xmlns:ds="http://schemas.openxmlformats.org/officeDocument/2006/customXml" ds:itemID="{5675509F-A6F5-4147-861D-E4CC99F48FA5}">
   <ds:schemaRefs>
     <ds:schemaRef ds:uri="http://schemas.microsoft.com/office/2006/metadata/contentType"/>
@@ -17208,10 +17187,23 @@
 </ds:datastoreItem>
 </file>
 
+<file path=customXml/itemProps3.xml><?xml version="1.0" encoding="utf-8"?>
+<ds:datastoreItem xmlns:ds="http://schemas.openxmlformats.org/officeDocument/2006/customXml" ds:itemID="{82EFBBFE-5AFC-4CAD-AD38-1CB870BDB255}">
+  <ds:schemaRefs>
+    <ds:schemaRef ds:uri="http://schemas.microsoft.com/sharepoint/v3/contenttype/forms"/>
+  </ds:schemaRefs>
+</ds:datastoreItem>
+</file>
+
 <file path=customXml/itemProps4.xml><?xml version="1.0" encoding="utf-8"?>
-<ds:datastoreItem xmlns:ds="http://schemas.openxmlformats.org/officeDocument/2006/customXml" ds:itemID="{1E7F2E56-8924-419D-99E9-79DB71144EB2}">
+<ds:datastoreItem xmlns:ds="http://schemas.openxmlformats.org/officeDocument/2006/customXml" ds:itemID="{B61D4E06-5D3F-4994-A4A7-4BA626FA722D}">
   <ds:schemaRefs>
-    <ds:schemaRef ds:uri="http://schemas.microsoft.com/sharepoint/events"/>
+    <ds:schemaRef ds:uri="http://schemas.microsoft.com/office/2006/metadata/properties"/>
+    <ds:schemaRef ds:uri="http://schemas.microsoft.com/office/infopath/2007/PartnerControls"/>
+    <ds:schemaRef ds:uri="f2ad5090-61a8-4b8c-ab70-68f4ff4d1933"/>
+    <ds:schemaRef ds:uri="c0950e01-db07-4e41-9c32-b7a8e9fccc9b"/>
+    <ds:schemaRef ds:uri="http://schemas.microsoft.com/sharepoint/v3"/>
+    <ds:schemaRef ds:uri="http://schemas.microsoft.com/sharepoint/v3/fields"/>
   </ds:schemaRefs>
 </ds:datastoreItem>
 </file>
